--- a/ppt 16-9/0863.天空的行云.pptx
+++ b/ppt 16-9/0863.天空的行云.pptx
@@ -5,7 +5,7 @@
     <p:sldMasterId id="2147483648" r:id="rId1"/>
   </p:sldMasterIdLst>
   <p:sldIdLst>
-    <p:sldId id="2170" r:id="rId2"/>
+    <p:sldId id="2172" r:id="rId2"/>
   </p:sldIdLst>
   <p:sldSz cx="12192000" cy="6858000"/>
   <p:notesSz cx="6858000" cy="9144000"/>
@@ -129,7 +129,7 @@
           <p:cNvPr id="2" name="标题 1">
             <a:extLst>
               <a:ext uri="{FF2B5EF4-FFF2-40B4-BE49-F238E27FC236}">
-                <a16:creationId xmlns:a16="http://schemas.microsoft.com/office/drawing/2014/main" id="{46E2C033-8B13-23DB-5B42-EB82928FE6CD}"/>
+                <a16:creationId xmlns:a16="http://schemas.microsoft.com/office/drawing/2014/main" id="{570C1898-8927-B81B-9998-DFBABD2F5C8E}"/>
               </a:ext>
             </a:extLst>
           </p:cNvPr>
@@ -166,7 +166,7 @@
           <p:cNvPr id="3" name="副标题 2">
             <a:extLst>
               <a:ext uri="{FF2B5EF4-FFF2-40B4-BE49-F238E27FC236}">
-                <a16:creationId xmlns:a16="http://schemas.microsoft.com/office/drawing/2014/main" id="{FE77928A-5A0E-5D3E-352B-4D508C76BA23}"/>
+                <a16:creationId xmlns:a16="http://schemas.microsoft.com/office/drawing/2014/main" id="{CE4F3F15-673A-974E-0FE0-77FEFBD1671B}"/>
               </a:ext>
             </a:extLst>
           </p:cNvPr>
@@ -236,7 +236,7 @@
           <p:cNvPr id="4" name="日期占位符 3">
             <a:extLst>
               <a:ext uri="{FF2B5EF4-FFF2-40B4-BE49-F238E27FC236}">
-                <a16:creationId xmlns:a16="http://schemas.microsoft.com/office/drawing/2014/main" id="{C7678A6B-F420-CB93-FC87-75C317892C60}"/>
+                <a16:creationId xmlns:a16="http://schemas.microsoft.com/office/drawing/2014/main" id="{0C8E644B-10B3-4C22-AFE9-30CC4FEF8CC0}"/>
               </a:ext>
             </a:extLst>
           </p:cNvPr>
@@ -252,7 +252,7 @@
           <a:bodyPr/>
           <a:lstStyle/>
           <a:p>
-            <a:fld id="{905AE813-CF2A-4C36-8744-2FF02F5F43C6}" type="datetimeFigureOut">
+            <a:fld id="{352749DE-41E3-4977-B98B-34DD8AB9AE0B}" type="datetimeFigureOut">
               <a:rPr lang="zh-CN" altLang="en-US" smtClean="0"/>
               <a:t>2024/3/10</a:t>
             </a:fld>
@@ -265,7 +265,7 @@
           <p:cNvPr id="5" name="页脚占位符 4">
             <a:extLst>
               <a:ext uri="{FF2B5EF4-FFF2-40B4-BE49-F238E27FC236}">
-                <a16:creationId xmlns:a16="http://schemas.microsoft.com/office/drawing/2014/main" id="{95053840-28E1-D7B4-B6D8-67ADD9094071}"/>
+                <a16:creationId xmlns:a16="http://schemas.microsoft.com/office/drawing/2014/main" id="{083E8261-D181-FFB7-6877-26647B61B529}"/>
               </a:ext>
             </a:extLst>
           </p:cNvPr>
@@ -290,7 +290,7 @@
           <p:cNvPr id="6" name="灯片编号占位符 5">
             <a:extLst>
               <a:ext uri="{FF2B5EF4-FFF2-40B4-BE49-F238E27FC236}">
-                <a16:creationId xmlns:a16="http://schemas.microsoft.com/office/drawing/2014/main" id="{5EC3DEF8-72A6-599A-44EF-ECC306C0B3B9}"/>
+                <a16:creationId xmlns:a16="http://schemas.microsoft.com/office/drawing/2014/main" id="{E50765F6-3AD8-DAF2-7333-AE188EBCC9EE}"/>
               </a:ext>
             </a:extLst>
           </p:cNvPr>
@@ -306,7 +306,7 @@
           <a:bodyPr/>
           <a:lstStyle/>
           <a:p>
-            <a:fld id="{D0B130A3-A526-4871-9782-8C3ACDCDEC47}" type="slidenum">
+            <a:fld id="{4FD17EBB-4C6E-4728-936E-B35E47A19361}" type="slidenum">
               <a:rPr lang="zh-CN" altLang="en-US" smtClean="0"/>
               <a:t>‹#›</a:t>
             </a:fld>
@@ -317,7 +317,7 @@
     </p:spTree>
     <p:extLst>
       <p:ext uri="{BB962C8B-B14F-4D97-AF65-F5344CB8AC3E}">
-        <p14:creationId xmlns:p14="http://schemas.microsoft.com/office/powerpoint/2010/main" val="3035182973"/>
+        <p14:creationId xmlns:p14="http://schemas.microsoft.com/office/powerpoint/2010/main" val="3440414108"/>
       </p:ext>
     </p:extLst>
   </p:cSld>
@@ -349,7 +349,7 @@
           <p:cNvPr id="2" name="标题 1">
             <a:extLst>
               <a:ext uri="{FF2B5EF4-FFF2-40B4-BE49-F238E27FC236}">
-                <a16:creationId xmlns:a16="http://schemas.microsoft.com/office/drawing/2014/main" id="{5976BC20-9056-8DC3-4B3C-C3DC98D8E22C}"/>
+                <a16:creationId xmlns:a16="http://schemas.microsoft.com/office/drawing/2014/main" id="{7ED91C16-1BED-E004-611C-E742513E1133}"/>
               </a:ext>
             </a:extLst>
           </p:cNvPr>
@@ -377,7 +377,7 @@
           <p:cNvPr id="3" name="竖排文字占位符 2">
             <a:extLst>
               <a:ext uri="{FF2B5EF4-FFF2-40B4-BE49-F238E27FC236}">
-                <a16:creationId xmlns:a16="http://schemas.microsoft.com/office/drawing/2014/main" id="{6D185525-4E58-33EA-E9AC-F3494A188BC0}"/>
+                <a16:creationId xmlns:a16="http://schemas.microsoft.com/office/drawing/2014/main" id="{95FD74E7-7AE6-0602-7936-44A7DCF9E6B5}"/>
               </a:ext>
             </a:extLst>
           </p:cNvPr>
@@ -434,7 +434,7 @@
           <p:cNvPr id="4" name="日期占位符 3">
             <a:extLst>
               <a:ext uri="{FF2B5EF4-FFF2-40B4-BE49-F238E27FC236}">
-                <a16:creationId xmlns:a16="http://schemas.microsoft.com/office/drawing/2014/main" id="{6928048A-5761-27F6-3D01-5D73220ED4BA}"/>
+                <a16:creationId xmlns:a16="http://schemas.microsoft.com/office/drawing/2014/main" id="{479AB620-7E0F-63BB-D568-A4B082416D9B}"/>
               </a:ext>
             </a:extLst>
           </p:cNvPr>
@@ -450,7 +450,7 @@
           <a:bodyPr/>
           <a:lstStyle/>
           <a:p>
-            <a:fld id="{905AE813-CF2A-4C36-8744-2FF02F5F43C6}" type="datetimeFigureOut">
+            <a:fld id="{352749DE-41E3-4977-B98B-34DD8AB9AE0B}" type="datetimeFigureOut">
               <a:rPr lang="zh-CN" altLang="en-US" smtClean="0"/>
               <a:t>2024/3/10</a:t>
             </a:fld>
@@ -463,7 +463,7 @@
           <p:cNvPr id="5" name="页脚占位符 4">
             <a:extLst>
               <a:ext uri="{FF2B5EF4-FFF2-40B4-BE49-F238E27FC236}">
-                <a16:creationId xmlns:a16="http://schemas.microsoft.com/office/drawing/2014/main" id="{10E2D5EB-4B30-762E-406A-51C157A7776E}"/>
+                <a16:creationId xmlns:a16="http://schemas.microsoft.com/office/drawing/2014/main" id="{220593A1-A71C-CBC0-8E20-3530470E2C43}"/>
               </a:ext>
             </a:extLst>
           </p:cNvPr>
@@ -488,7 +488,7 @@
           <p:cNvPr id="6" name="灯片编号占位符 5">
             <a:extLst>
               <a:ext uri="{FF2B5EF4-FFF2-40B4-BE49-F238E27FC236}">
-                <a16:creationId xmlns:a16="http://schemas.microsoft.com/office/drawing/2014/main" id="{9CF5D4FE-827E-B073-A28E-BDBC5D9B4AAB}"/>
+                <a16:creationId xmlns:a16="http://schemas.microsoft.com/office/drawing/2014/main" id="{9347AA93-4523-8088-2EAC-84D19083287B}"/>
               </a:ext>
             </a:extLst>
           </p:cNvPr>
@@ -504,7 +504,7 @@
           <a:bodyPr/>
           <a:lstStyle/>
           <a:p>
-            <a:fld id="{D0B130A3-A526-4871-9782-8C3ACDCDEC47}" type="slidenum">
+            <a:fld id="{4FD17EBB-4C6E-4728-936E-B35E47A19361}" type="slidenum">
               <a:rPr lang="zh-CN" altLang="en-US" smtClean="0"/>
               <a:t>‹#›</a:t>
             </a:fld>
@@ -515,7 +515,7 @@
     </p:spTree>
     <p:extLst>
       <p:ext uri="{BB962C8B-B14F-4D97-AF65-F5344CB8AC3E}">
-        <p14:creationId xmlns:p14="http://schemas.microsoft.com/office/powerpoint/2010/main" val="4099228848"/>
+        <p14:creationId xmlns:p14="http://schemas.microsoft.com/office/powerpoint/2010/main" val="233600632"/>
       </p:ext>
     </p:extLst>
   </p:cSld>
@@ -547,7 +547,7 @@
           <p:cNvPr id="2" name="竖排标题 1">
             <a:extLst>
               <a:ext uri="{FF2B5EF4-FFF2-40B4-BE49-F238E27FC236}">
-                <a16:creationId xmlns:a16="http://schemas.microsoft.com/office/drawing/2014/main" id="{8E18FCE4-6E9F-E90E-29CC-1C75C414CAC8}"/>
+                <a16:creationId xmlns:a16="http://schemas.microsoft.com/office/drawing/2014/main" id="{073B8600-092F-87D0-D7E3-0808EC8D22A2}"/>
               </a:ext>
             </a:extLst>
           </p:cNvPr>
@@ -580,7 +580,7 @@
           <p:cNvPr id="3" name="竖排文字占位符 2">
             <a:extLst>
               <a:ext uri="{FF2B5EF4-FFF2-40B4-BE49-F238E27FC236}">
-                <a16:creationId xmlns:a16="http://schemas.microsoft.com/office/drawing/2014/main" id="{EBE985D2-4E6A-45FB-27E0-AF166636EEC9}"/>
+                <a16:creationId xmlns:a16="http://schemas.microsoft.com/office/drawing/2014/main" id="{C17E9C20-EEC9-2593-A8D4-9D2B413DE066}"/>
               </a:ext>
             </a:extLst>
           </p:cNvPr>
@@ -642,7 +642,7 @@
           <p:cNvPr id="4" name="日期占位符 3">
             <a:extLst>
               <a:ext uri="{FF2B5EF4-FFF2-40B4-BE49-F238E27FC236}">
-                <a16:creationId xmlns:a16="http://schemas.microsoft.com/office/drawing/2014/main" id="{9996436E-BD43-46A1-E57E-02DB9847DFCC}"/>
+                <a16:creationId xmlns:a16="http://schemas.microsoft.com/office/drawing/2014/main" id="{6FAFF708-D27E-06D3-BADB-2CBE2CA5C470}"/>
               </a:ext>
             </a:extLst>
           </p:cNvPr>
@@ -658,7 +658,7 @@
           <a:bodyPr/>
           <a:lstStyle/>
           <a:p>
-            <a:fld id="{905AE813-CF2A-4C36-8744-2FF02F5F43C6}" type="datetimeFigureOut">
+            <a:fld id="{352749DE-41E3-4977-B98B-34DD8AB9AE0B}" type="datetimeFigureOut">
               <a:rPr lang="zh-CN" altLang="en-US" smtClean="0"/>
               <a:t>2024/3/10</a:t>
             </a:fld>
@@ -671,7 +671,7 @@
           <p:cNvPr id="5" name="页脚占位符 4">
             <a:extLst>
               <a:ext uri="{FF2B5EF4-FFF2-40B4-BE49-F238E27FC236}">
-                <a16:creationId xmlns:a16="http://schemas.microsoft.com/office/drawing/2014/main" id="{D99ADCBA-8EEE-B4BF-E962-719CAB48EC77}"/>
+                <a16:creationId xmlns:a16="http://schemas.microsoft.com/office/drawing/2014/main" id="{06C7E01E-A589-938C-9AE6-7BB77EF5F711}"/>
               </a:ext>
             </a:extLst>
           </p:cNvPr>
@@ -696,7 +696,7 @@
           <p:cNvPr id="6" name="灯片编号占位符 5">
             <a:extLst>
               <a:ext uri="{FF2B5EF4-FFF2-40B4-BE49-F238E27FC236}">
-                <a16:creationId xmlns:a16="http://schemas.microsoft.com/office/drawing/2014/main" id="{2181F2F7-D126-1EAB-0CE6-A52A4C5B74EE}"/>
+                <a16:creationId xmlns:a16="http://schemas.microsoft.com/office/drawing/2014/main" id="{4E637C4C-B392-44C7-4086-F1581916C8FB}"/>
               </a:ext>
             </a:extLst>
           </p:cNvPr>
@@ -712,7 +712,7 @@
           <a:bodyPr/>
           <a:lstStyle/>
           <a:p>
-            <a:fld id="{D0B130A3-A526-4871-9782-8C3ACDCDEC47}" type="slidenum">
+            <a:fld id="{4FD17EBB-4C6E-4728-936E-B35E47A19361}" type="slidenum">
               <a:rPr lang="zh-CN" altLang="en-US" smtClean="0"/>
               <a:t>‹#›</a:t>
             </a:fld>
@@ -723,7 +723,7 @@
     </p:spTree>
     <p:extLst>
       <p:ext uri="{BB962C8B-B14F-4D97-AF65-F5344CB8AC3E}">
-        <p14:creationId xmlns:p14="http://schemas.microsoft.com/office/powerpoint/2010/main" val="848305067"/>
+        <p14:creationId xmlns:p14="http://schemas.microsoft.com/office/powerpoint/2010/main" val="2649941095"/>
       </p:ext>
     </p:extLst>
   </p:cSld>
@@ -755,7 +755,7 @@
           <p:cNvPr id="2" name="标题 1">
             <a:extLst>
               <a:ext uri="{FF2B5EF4-FFF2-40B4-BE49-F238E27FC236}">
-                <a16:creationId xmlns:a16="http://schemas.microsoft.com/office/drawing/2014/main" id="{109E7ECA-288E-C650-FB8B-DD86AA8A5791}"/>
+                <a16:creationId xmlns:a16="http://schemas.microsoft.com/office/drawing/2014/main" id="{E53918E4-956F-D2E8-2C74-B7242646F76D}"/>
               </a:ext>
             </a:extLst>
           </p:cNvPr>
@@ -783,7 +783,7 @@
           <p:cNvPr id="3" name="内容占位符 2">
             <a:extLst>
               <a:ext uri="{FF2B5EF4-FFF2-40B4-BE49-F238E27FC236}">
-                <a16:creationId xmlns:a16="http://schemas.microsoft.com/office/drawing/2014/main" id="{9AFB6DF6-1AE5-E9F4-1C81-377C4203E082}"/>
+                <a16:creationId xmlns:a16="http://schemas.microsoft.com/office/drawing/2014/main" id="{2ACBCA2D-CD82-7369-1169-909173DECCDF}"/>
               </a:ext>
             </a:extLst>
           </p:cNvPr>
@@ -840,7 +840,7 @@
           <p:cNvPr id="4" name="日期占位符 3">
             <a:extLst>
               <a:ext uri="{FF2B5EF4-FFF2-40B4-BE49-F238E27FC236}">
-                <a16:creationId xmlns:a16="http://schemas.microsoft.com/office/drawing/2014/main" id="{E309880E-2A2F-792C-9D4E-9B8966F5B7FC}"/>
+                <a16:creationId xmlns:a16="http://schemas.microsoft.com/office/drawing/2014/main" id="{95FEC7FC-079B-0F24-48DB-F6309EB9EEB6}"/>
               </a:ext>
             </a:extLst>
           </p:cNvPr>
@@ -856,7 +856,7 @@
           <a:bodyPr/>
           <a:lstStyle/>
           <a:p>
-            <a:fld id="{905AE813-CF2A-4C36-8744-2FF02F5F43C6}" type="datetimeFigureOut">
+            <a:fld id="{352749DE-41E3-4977-B98B-34DD8AB9AE0B}" type="datetimeFigureOut">
               <a:rPr lang="zh-CN" altLang="en-US" smtClean="0"/>
               <a:t>2024/3/10</a:t>
             </a:fld>
@@ -869,7 +869,7 @@
           <p:cNvPr id="5" name="页脚占位符 4">
             <a:extLst>
               <a:ext uri="{FF2B5EF4-FFF2-40B4-BE49-F238E27FC236}">
-                <a16:creationId xmlns:a16="http://schemas.microsoft.com/office/drawing/2014/main" id="{4A410383-3938-61E3-A708-13A620607BA1}"/>
+                <a16:creationId xmlns:a16="http://schemas.microsoft.com/office/drawing/2014/main" id="{C2818F55-F777-5370-07A6-57543DEDEEF6}"/>
               </a:ext>
             </a:extLst>
           </p:cNvPr>
@@ -894,7 +894,7 @@
           <p:cNvPr id="6" name="灯片编号占位符 5">
             <a:extLst>
               <a:ext uri="{FF2B5EF4-FFF2-40B4-BE49-F238E27FC236}">
-                <a16:creationId xmlns:a16="http://schemas.microsoft.com/office/drawing/2014/main" id="{4A637409-5BB8-FB81-72E8-FAEFCC80FB40}"/>
+                <a16:creationId xmlns:a16="http://schemas.microsoft.com/office/drawing/2014/main" id="{AA54A90F-28E1-50B0-C657-108EB63866E4}"/>
               </a:ext>
             </a:extLst>
           </p:cNvPr>
@@ -910,7 +910,7 @@
           <a:bodyPr/>
           <a:lstStyle/>
           <a:p>
-            <a:fld id="{D0B130A3-A526-4871-9782-8C3ACDCDEC47}" type="slidenum">
+            <a:fld id="{4FD17EBB-4C6E-4728-936E-B35E47A19361}" type="slidenum">
               <a:rPr lang="zh-CN" altLang="en-US" smtClean="0"/>
               <a:t>‹#›</a:t>
             </a:fld>
@@ -921,7 +921,7 @@
     </p:spTree>
     <p:extLst>
       <p:ext uri="{BB962C8B-B14F-4D97-AF65-F5344CB8AC3E}">
-        <p14:creationId xmlns:p14="http://schemas.microsoft.com/office/powerpoint/2010/main" val="304321038"/>
+        <p14:creationId xmlns:p14="http://schemas.microsoft.com/office/powerpoint/2010/main" val="620684486"/>
       </p:ext>
     </p:extLst>
   </p:cSld>
@@ -953,7 +953,7 @@
           <p:cNvPr id="2" name="标题 1">
             <a:extLst>
               <a:ext uri="{FF2B5EF4-FFF2-40B4-BE49-F238E27FC236}">
-                <a16:creationId xmlns:a16="http://schemas.microsoft.com/office/drawing/2014/main" id="{BA257F56-BE19-3572-0E20-168B774A9F34}"/>
+                <a16:creationId xmlns:a16="http://schemas.microsoft.com/office/drawing/2014/main" id="{C2417181-9A82-63C6-ACB6-B94D1F922510}"/>
               </a:ext>
             </a:extLst>
           </p:cNvPr>
@@ -990,7 +990,7 @@
           <p:cNvPr id="3" name="文本占位符 2">
             <a:extLst>
               <a:ext uri="{FF2B5EF4-FFF2-40B4-BE49-F238E27FC236}">
-                <a16:creationId xmlns:a16="http://schemas.microsoft.com/office/drawing/2014/main" id="{0AC8C34F-8D03-8DBA-6FD2-19C2438E9541}"/>
+                <a16:creationId xmlns:a16="http://schemas.microsoft.com/office/drawing/2014/main" id="{E9F32121-0E35-7566-D904-ABD081DF0A4C}"/>
               </a:ext>
             </a:extLst>
           </p:cNvPr>
@@ -1115,7 +1115,7 @@
           <p:cNvPr id="4" name="日期占位符 3">
             <a:extLst>
               <a:ext uri="{FF2B5EF4-FFF2-40B4-BE49-F238E27FC236}">
-                <a16:creationId xmlns:a16="http://schemas.microsoft.com/office/drawing/2014/main" id="{61C2E594-8550-8BAC-1262-B043DB62098A}"/>
+                <a16:creationId xmlns:a16="http://schemas.microsoft.com/office/drawing/2014/main" id="{F5F0AB59-2079-EEF7-5971-7B0B8F54561C}"/>
               </a:ext>
             </a:extLst>
           </p:cNvPr>
@@ -1131,7 +1131,7 @@
           <a:bodyPr/>
           <a:lstStyle/>
           <a:p>
-            <a:fld id="{905AE813-CF2A-4C36-8744-2FF02F5F43C6}" type="datetimeFigureOut">
+            <a:fld id="{352749DE-41E3-4977-B98B-34DD8AB9AE0B}" type="datetimeFigureOut">
               <a:rPr lang="zh-CN" altLang="en-US" smtClean="0"/>
               <a:t>2024/3/10</a:t>
             </a:fld>
@@ -1144,7 +1144,7 @@
           <p:cNvPr id="5" name="页脚占位符 4">
             <a:extLst>
               <a:ext uri="{FF2B5EF4-FFF2-40B4-BE49-F238E27FC236}">
-                <a16:creationId xmlns:a16="http://schemas.microsoft.com/office/drawing/2014/main" id="{9D8FC613-2FA1-22D7-B766-AC54FF9D8567}"/>
+                <a16:creationId xmlns:a16="http://schemas.microsoft.com/office/drawing/2014/main" id="{F8485AF3-F42F-0ED5-9829-3327C10A01A2}"/>
               </a:ext>
             </a:extLst>
           </p:cNvPr>
@@ -1169,7 +1169,7 @@
           <p:cNvPr id="6" name="灯片编号占位符 5">
             <a:extLst>
               <a:ext uri="{FF2B5EF4-FFF2-40B4-BE49-F238E27FC236}">
-                <a16:creationId xmlns:a16="http://schemas.microsoft.com/office/drawing/2014/main" id="{53FC3905-06E5-C7D1-2E1B-DB578FD63F95}"/>
+                <a16:creationId xmlns:a16="http://schemas.microsoft.com/office/drawing/2014/main" id="{5E13EEF8-290B-3615-058C-5ACE1CB48970}"/>
               </a:ext>
             </a:extLst>
           </p:cNvPr>
@@ -1185,7 +1185,7 @@
           <a:bodyPr/>
           <a:lstStyle/>
           <a:p>
-            <a:fld id="{D0B130A3-A526-4871-9782-8C3ACDCDEC47}" type="slidenum">
+            <a:fld id="{4FD17EBB-4C6E-4728-936E-B35E47A19361}" type="slidenum">
               <a:rPr lang="zh-CN" altLang="en-US" smtClean="0"/>
               <a:t>‹#›</a:t>
             </a:fld>
@@ -1196,7 +1196,7 @@
     </p:spTree>
     <p:extLst>
       <p:ext uri="{BB962C8B-B14F-4D97-AF65-F5344CB8AC3E}">
-        <p14:creationId xmlns:p14="http://schemas.microsoft.com/office/powerpoint/2010/main" val="418151352"/>
+        <p14:creationId xmlns:p14="http://schemas.microsoft.com/office/powerpoint/2010/main" val="231666456"/>
       </p:ext>
     </p:extLst>
   </p:cSld>
@@ -1228,7 +1228,7 @@
           <p:cNvPr id="2" name="标题 1">
             <a:extLst>
               <a:ext uri="{FF2B5EF4-FFF2-40B4-BE49-F238E27FC236}">
-                <a16:creationId xmlns:a16="http://schemas.microsoft.com/office/drawing/2014/main" id="{886D0F9E-B103-6AD8-C6F7-0826F11065F0}"/>
+                <a16:creationId xmlns:a16="http://schemas.microsoft.com/office/drawing/2014/main" id="{BFBD3E16-4A5F-378F-A7AC-0E2955EAF02B}"/>
               </a:ext>
             </a:extLst>
           </p:cNvPr>
@@ -1256,7 +1256,7 @@
           <p:cNvPr id="3" name="内容占位符 2">
             <a:extLst>
               <a:ext uri="{FF2B5EF4-FFF2-40B4-BE49-F238E27FC236}">
-                <a16:creationId xmlns:a16="http://schemas.microsoft.com/office/drawing/2014/main" id="{B1C441B3-3CC1-3813-5636-6E99B02A5850}"/>
+                <a16:creationId xmlns:a16="http://schemas.microsoft.com/office/drawing/2014/main" id="{39786A63-B2FD-33AC-7352-3CA18FE06E72}"/>
               </a:ext>
             </a:extLst>
           </p:cNvPr>
@@ -1318,7 +1318,7 @@
           <p:cNvPr id="4" name="内容占位符 3">
             <a:extLst>
               <a:ext uri="{FF2B5EF4-FFF2-40B4-BE49-F238E27FC236}">
-                <a16:creationId xmlns:a16="http://schemas.microsoft.com/office/drawing/2014/main" id="{321CB745-EE76-7141-7965-7ADC535532B7}"/>
+                <a16:creationId xmlns:a16="http://schemas.microsoft.com/office/drawing/2014/main" id="{35A0DB55-A405-C179-EB9F-3EB7E4F83E7E}"/>
               </a:ext>
             </a:extLst>
           </p:cNvPr>
@@ -1380,7 +1380,7 @@
           <p:cNvPr id="5" name="日期占位符 4">
             <a:extLst>
               <a:ext uri="{FF2B5EF4-FFF2-40B4-BE49-F238E27FC236}">
-                <a16:creationId xmlns:a16="http://schemas.microsoft.com/office/drawing/2014/main" id="{8AB8365D-6868-30F4-E56B-770EE015060F}"/>
+                <a16:creationId xmlns:a16="http://schemas.microsoft.com/office/drawing/2014/main" id="{6B92117E-AFEB-C0CC-7BD8-BE12CF5C0B39}"/>
               </a:ext>
             </a:extLst>
           </p:cNvPr>
@@ -1396,7 +1396,7 @@
           <a:bodyPr/>
           <a:lstStyle/>
           <a:p>
-            <a:fld id="{905AE813-CF2A-4C36-8744-2FF02F5F43C6}" type="datetimeFigureOut">
+            <a:fld id="{352749DE-41E3-4977-B98B-34DD8AB9AE0B}" type="datetimeFigureOut">
               <a:rPr lang="zh-CN" altLang="en-US" smtClean="0"/>
               <a:t>2024/3/10</a:t>
             </a:fld>
@@ -1409,7 +1409,7 @@
           <p:cNvPr id="6" name="页脚占位符 5">
             <a:extLst>
               <a:ext uri="{FF2B5EF4-FFF2-40B4-BE49-F238E27FC236}">
-                <a16:creationId xmlns:a16="http://schemas.microsoft.com/office/drawing/2014/main" id="{ADC7E46C-D22F-0D0B-1374-60A0350DA6D3}"/>
+                <a16:creationId xmlns:a16="http://schemas.microsoft.com/office/drawing/2014/main" id="{D4713169-C747-8527-7647-DF7EA8E512F6}"/>
               </a:ext>
             </a:extLst>
           </p:cNvPr>
@@ -1434,7 +1434,7 @@
           <p:cNvPr id="7" name="灯片编号占位符 6">
             <a:extLst>
               <a:ext uri="{FF2B5EF4-FFF2-40B4-BE49-F238E27FC236}">
-                <a16:creationId xmlns:a16="http://schemas.microsoft.com/office/drawing/2014/main" id="{D0D3CDFC-89E3-E848-2361-D9D6567E3D6B}"/>
+                <a16:creationId xmlns:a16="http://schemas.microsoft.com/office/drawing/2014/main" id="{D583B929-0D1F-32DA-1ABE-B4AB30FC607B}"/>
               </a:ext>
             </a:extLst>
           </p:cNvPr>
@@ -1450,7 +1450,7 @@
           <a:bodyPr/>
           <a:lstStyle/>
           <a:p>
-            <a:fld id="{D0B130A3-A526-4871-9782-8C3ACDCDEC47}" type="slidenum">
+            <a:fld id="{4FD17EBB-4C6E-4728-936E-B35E47A19361}" type="slidenum">
               <a:rPr lang="zh-CN" altLang="en-US" smtClean="0"/>
               <a:t>‹#›</a:t>
             </a:fld>
@@ -1461,7 +1461,7 @@
     </p:spTree>
     <p:extLst>
       <p:ext uri="{BB962C8B-B14F-4D97-AF65-F5344CB8AC3E}">
-        <p14:creationId xmlns:p14="http://schemas.microsoft.com/office/powerpoint/2010/main" val="552546259"/>
+        <p14:creationId xmlns:p14="http://schemas.microsoft.com/office/powerpoint/2010/main" val="3738381375"/>
       </p:ext>
     </p:extLst>
   </p:cSld>
@@ -1493,7 +1493,7 @@
           <p:cNvPr id="2" name="标题 1">
             <a:extLst>
               <a:ext uri="{FF2B5EF4-FFF2-40B4-BE49-F238E27FC236}">
-                <a16:creationId xmlns:a16="http://schemas.microsoft.com/office/drawing/2014/main" id="{AF602AD3-CEF1-E4EF-957A-A8508B2B0D2A}"/>
+                <a16:creationId xmlns:a16="http://schemas.microsoft.com/office/drawing/2014/main" id="{31C06F8D-7731-38E2-B548-B5807FAEB59D}"/>
               </a:ext>
             </a:extLst>
           </p:cNvPr>
@@ -1526,7 +1526,7 @@
           <p:cNvPr id="3" name="文本占位符 2">
             <a:extLst>
               <a:ext uri="{FF2B5EF4-FFF2-40B4-BE49-F238E27FC236}">
-                <a16:creationId xmlns:a16="http://schemas.microsoft.com/office/drawing/2014/main" id="{43E3D0A1-80C9-487A-6831-1685CC2AF10A}"/>
+                <a16:creationId xmlns:a16="http://schemas.microsoft.com/office/drawing/2014/main" id="{9E533526-5863-C9BC-2AED-E2F73AA007FD}"/>
               </a:ext>
             </a:extLst>
           </p:cNvPr>
@@ -1597,7 +1597,7 @@
           <p:cNvPr id="4" name="内容占位符 3">
             <a:extLst>
               <a:ext uri="{FF2B5EF4-FFF2-40B4-BE49-F238E27FC236}">
-                <a16:creationId xmlns:a16="http://schemas.microsoft.com/office/drawing/2014/main" id="{B0870F9B-4720-BFFE-514A-8FBFF63D70EF}"/>
+                <a16:creationId xmlns:a16="http://schemas.microsoft.com/office/drawing/2014/main" id="{12D5AAB5-0FDF-D67F-F034-B4D905BE8214}"/>
               </a:ext>
             </a:extLst>
           </p:cNvPr>
@@ -1659,7 +1659,7 @@
           <p:cNvPr id="5" name="文本占位符 4">
             <a:extLst>
               <a:ext uri="{FF2B5EF4-FFF2-40B4-BE49-F238E27FC236}">
-                <a16:creationId xmlns:a16="http://schemas.microsoft.com/office/drawing/2014/main" id="{D1D6F984-B6C5-3530-D2AE-F2CE33C394D6}"/>
+                <a16:creationId xmlns:a16="http://schemas.microsoft.com/office/drawing/2014/main" id="{7CD3922D-8FE5-1221-28A9-D0EB97061B9F}"/>
               </a:ext>
             </a:extLst>
           </p:cNvPr>
@@ -1730,7 +1730,7 @@
           <p:cNvPr id="6" name="内容占位符 5">
             <a:extLst>
               <a:ext uri="{FF2B5EF4-FFF2-40B4-BE49-F238E27FC236}">
-                <a16:creationId xmlns:a16="http://schemas.microsoft.com/office/drawing/2014/main" id="{6881379D-D75E-0931-419D-93FA7AEB9E8E}"/>
+                <a16:creationId xmlns:a16="http://schemas.microsoft.com/office/drawing/2014/main" id="{8F6C5402-E269-0F57-9517-6E1565443865}"/>
               </a:ext>
             </a:extLst>
           </p:cNvPr>
@@ -1792,7 +1792,7 @@
           <p:cNvPr id="7" name="日期占位符 6">
             <a:extLst>
               <a:ext uri="{FF2B5EF4-FFF2-40B4-BE49-F238E27FC236}">
-                <a16:creationId xmlns:a16="http://schemas.microsoft.com/office/drawing/2014/main" id="{74DC5857-51D4-9FCD-AF42-C2426583A629}"/>
+                <a16:creationId xmlns:a16="http://schemas.microsoft.com/office/drawing/2014/main" id="{6F9CBB9A-9884-F20F-2A0E-AA85E0FF70D7}"/>
               </a:ext>
             </a:extLst>
           </p:cNvPr>
@@ -1808,7 +1808,7 @@
           <a:bodyPr/>
           <a:lstStyle/>
           <a:p>
-            <a:fld id="{905AE813-CF2A-4C36-8744-2FF02F5F43C6}" type="datetimeFigureOut">
+            <a:fld id="{352749DE-41E3-4977-B98B-34DD8AB9AE0B}" type="datetimeFigureOut">
               <a:rPr lang="zh-CN" altLang="en-US" smtClean="0"/>
               <a:t>2024/3/10</a:t>
             </a:fld>
@@ -1821,7 +1821,7 @@
           <p:cNvPr id="8" name="页脚占位符 7">
             <a:extLst>
               <a:ext uri="{FF2B5EF4-FFF2-40B4-BE49-F238E27FC236}">
-                <a16:creationId xmlns:a16="http://schemas.microsoft.com/office/drawing/2014/main" id="{B5001129-F8CC-0A00-1AAC-5F9F4DE3A5AF}"/>
+                <a16:creationId xmlns:a16="http://schemas.microsoft.com/office/drawing/2014/main" id="{4BC8D0EA-D4D5-89F3-A364-F4FD20833B14}"/>
               </a:ext>
             </a:extLst>
           </p:cNvPr>
@@ -1846,7 +1846,7 @@
           <p:cNvPr id="9" name="灯片编号占位符 8">
             <a:extLst>
               <a:ext uri="{FF2B5EF4-FFF2-40B4-BE49-F238E27FC236}">
-                <a16:creationId xmlns:a16="http://schemas.microsoft.com/office/drawing/2014/main" id="{C62115CB-4899-A8D9-3FE6-8F08EEFF5B22}"/>
+                <a16:creationId xmlns:a16="http://schemas.microsoft.com/office/drawing/2014/main" id="{68E58392-973A-CD7D-C795-C4B3FB215716}"/>
               </a:ext>
             </a:extLst>
           </p:cNvPr>
@@ -1862,7 +1862,7 @@
           <a:bodyPr/>
           <a:lstStyle/>
           <a:p>
-            <a:fld id="{D0B130A3-A526-4871-9782-8C3ACDCDEC47}" type="slidenum">
+            <a:fld id="{4FD17EBB-4C6E-4728-936E-B35E47A19361}" type="slidenum">
               <a:rPr lang="zh-CN" altLang="en-US" smtClean="0"/>
               <a:t>‹#›</a:t>
             </a:fld>
@@ -1873,7 +1873,7 @@
     </p:spTree>
     <p:extLst>
       <p:ext uri="{BB962C8B-B14F-4D97-AF65-F5344CB8AC3E}">
-        <p14:creationId xmlns:p14="http://schemas.microsoft.com/office/powerpoint/2010/main" val="288958561"/>
+        <p14:creationId xmlns:p14="http://schemas.microsoft.com/office/powerpoint/2010/main" val="2732536878"/>
       </p:ext>
     </p:extLst>
   </p:cSld>
@@ -1905,7 +1905,7 @@
           <p:cNvPr id="2" name="标题 1">
             <a:extLst>
               <a:ext uri="{FF2B5EF4-FFF2-40B4-BE49-F238E27FC236}">
-                <a16:creationId xmlns:a16="http://schemas.microsoft.com/office/drawing/2014/main" id="{D648942E-9598-2417-A24B-FB2C1A7674AC}"/>
+                <a16:creationId xmlns:a16="http://schemas.microsoft.com/office/drawing/2014/main" id="{47EA2BCE-D408-CCDD-2D32-A51D46CAF978}"/>
               </a:ext>
             </a:extLst>
           </p:cNvPr>
@@ -1933,7 +1933,7 @@
           <p:cNvPr id="3" name="日期占位符 2">
             <a:extLst>
               <a:ext uri="{FF2B5EF4-FFF2-40B4-BE49-F238E27FC236}">
-                <a16:creationId xmlns:a16="http://schemas.microsoft.com/office/drawing/2014/main" id="{D11DBC8D-6B64-1328-2B7D-EB4DB6E94C70}"/>
+                <a16:creationId xmlns:a16="http://schemas.microsoft.com/office/drawing/2014/main" id="{1485E641-49D2-F90C-54F7-7740B7B05785}"/>
               </a:ext>
             </a:extLst>
           </p:cNvPr>
@@ -1949,7 +1949,7 @@
           <a:bodyPr/>
           <a:lstStyle/>
           <a:p>
-            <a:fld id="{905AE813-CF2A-4C36-8744-2FF02F5F43C6}" type="datetimeFigureOut">
+            <a:fld id="{352749DE-41E3-4977-B98B-34DD8AB9AE0B}" type="datetimeFigureOut">
               <a:rPr lang="zh-CN" altLang="en-US" smtClean="0"/>
               <a:t>2024/3/10</a:t>
             </a:fld>
@@ -1962,7 +1962,7 @@
           <p:cNvPr id="4" name="页脚占位符 3">
             <a:extLst>
               <a:ext uri="{FF2B5EF4-FFF2-40B4-BE49-F238E27FC236}">
-                <a16:creationId xmlns:a16="http://schemas.microsoft.com/office/drawing/2014/main" id="{17AE681E-6EAB-4B6A-3BBA-3E7FA625C056}"/>
+                <a16:creationId xmlns:a16="http://schemas.microsoft.com/office/drawing/2014/main" id="{9C75431C-5773-D261-8E54-75578A5EAEEB}"/>
               </a:ext>
             </a:extLst>
           </p:cNvPr>
@@ -1987,7 +1987,7 @@
           <p:cNvPr id="5" name="灯片编号占位符 4">
             <a:extLst>
               <a:ext uri="{FF2B5EF4-FFF2-40B4-BE49-F238E27FC236}">
-                <a16:creationId xmlns:a16="http://schemas.microsoft.com/office/drawing/2014/main" id="{83A94748-28D9-2F43-CD9D-6FF701DD0D7A}"/>
+                <a16:creationId xmlns:a16="http://schemas.microsoft.com/office/drawing/2014/main" id="{4555B968-0276-16DA-CBF1-8E42DF9A55A0}"/>
               </a:ext>
             </a:extLst>
           </p:cNvPr>
@@ -2003,7 +2003,7 @@
           <a:bodyPr/>
           <a:lstStyle/>
           <a:p>
-            <a:fld id="{D0B130A3-A526-4871-9782-8C3ACDCDEC47}" type="slidenum">
+            <a:fld id="{4FD17EBB-4C6E-4728-936E-B35E47A19361}" type="slidenum">
               <a:rPr lang="zh-CN" altLang="en-US" smtClean="0"/>
               <a:t>‹#›</a:t>
             </a:fld>
@@ -2014,7 +2014,7 @@
     </p:spTree>
     <p:extLst>
       <p:ext uri="{BB962C8B-B14F-4D97-AF65-F5344CB8AC3E}">
-        <p14:creationId xmlns:p14="http://schemas.microsoft.com/office/powerpoint/2010/main" val="884828099"/>
+        <p14:creationId xmlns:p14="http://schemas.microsoft.com/office/powerpoint/2010/main" val="3531259117"/>
       </p:ext>
     </p:extLst>
   </p:cSld>
@@ -2046,7 +2046,7 @@
           <p:cNvPr id="2" name="日期占位符 1">
             <a:extLst>
               <a:ext uri="{FF2B5EF4-FFF2-40B4-BE49-F238E27FC236}">
-                <a16:creationId xmlns:a16="http://schemas.microsoft.com/office/drawing/2014/main" id="{62312DB5-613B-07A3-F53A-9E8A46AE0733}"/>
+                <a16:creationId xmlns:a16="http://schemas.microsoft.com/office/drawing/2014/main" id="{29C84CB7-06E2-6765-2DAC-1F9051C62820}"/>
               </a:ext>
             </a:extLst>
           </p:cNvPr>
@@ -2062,7 +2062,7 @@
           <a:bodyPr/>
           <a:lstStyle/>
           <a:p>
-            <a:fld id="{905AE813-CF2A-4C36-8744-2FF02F5F43C6}" type="datetimeFigureOut">
+            <a:fld id="{352749DE-41E3-4977-B98B-34DD8AB9AE0B}" type="datetimeFigureOut">
               <a:rPr lang="zh-CN" altLang="en-US" smtClean="0"/>
               <a:t>2024/3/10</a:t>
             </a:fld>
@@ -2075,7 +2075,7 @@
           <p:cNvPr id="3" name="页脚占位符 2">
             <a:extLst>
               <a:ext uri="{FF2B5EF4-FFF2-40B4-BE49-F238E27FC236}">
-                <a16:creationId xmlns:a16="http://schemas.microsoft.com/office/drawing/2014/main" id="{D74E542F-25C0-B6E0-1BB8-E64FC7E556AF}"/>
+                <a16:creationId xmlns:a16="http://schemas.microsoft.com/office/drawing/2014/main" id="{740C25C1-721E-AB0A-4E02-CC23E6A5ED21}"/>
               </a:ext>
             </a:extLst>
           </p:cNvPr>
@@ -2100,7 +2100,7 @@
           <p:cNvPr id="4" name="灯片编号占位符 3">
             <a:extLst>
               <a:ext uri="{FF2B5EF4-FFF2-40B4-BE49-F238E27FC236}">
-                <a16:creationId xmlns:a16="http://schemas.microsoft.com/office/drawing/2014/main" id="{D78FA563-E93D-2618-9FEB-FF0DE1CBC76E}"/>
+                <a16:creationId xmlns:a16="http://schemas.microsoft.com/office/drawing/2014/main" id="{EF11E76D-9913-8D1E-5F29-7119F302E22F}"/>
               </a:ext>
             </a:extLst>
           </p:cNvPr>
@@ -2116,7 +2116,7 @@
           <a:bodyPr/>
           <a:lstStyle/>
           <a:p>
-            <a:fld id="{D0B130A3-A526-4871-9782-8C3ACDCDEC47}" type="slidenum">
+            <a:fld id="{4FD17EBB-4C6E-4728-936E-B35E47A19361}" type="slidenum">
               <a:rPr lang="zh-CN" altLang="en-US" smtClean="0"/>
               <a:t>‹#›</a:t>
             </a:fld>
@@ -2127,7 +2127,7 @@
     </p:spTree>
     <p:extLst>
       <p:ext uri="{BB962C8B-B14F-4D97-AF65-F5344CB8AC3E}">
-        <p14:creationId xmlns:p14="http://schemas.microsoft.com/office/powerpoint/2010/main" val="3282407112"/>
+        <p14:creationId xmlns:p14="http://schemas.microsoft.com/office/powerpoint/2010/main" val="3761376779"/>
       </p:ext>
     </p:extLst>
   </p:cSld>
@@ -2159,7 +2159,7 @@
           <p:cNvPr id="2" name="标题 1">
             <a:extLst>
               <a:ext uri="{FF2B5EF4-FFF2-40B4-BE49-F238E27FC236}">
-                <a16:creationId xmlns:a16="http://schemas.microsoft.com/office/drawing/2014/main" id="{6F093D46-E885-C0AB-7350-9C86FBFAC84F}"/>
+                <a16:creationId xmlns:a16="http://schemas.microsoft.com/office/drawing/2014/main" id="{20A73BEA-7EF8-FDDC-D890-1E23529B161D}"/>
               </a:ext>
             </a:extLst>
           </p:cNvPr>
@@ -2196,7 +2196,7 @@
           <p:cNvPr id="3" name="内容占位符 2">
             <a:extLst>
               <a:ext uri="{FF2B5EF4-FFF2-40B4-BE49-F238E27FC236}">
-                <a16:creationId xmlns:a16="http://schemas.microsoft.com/office/drawing/2014/main" id="{6CF2A8DD-B8F1-B62F-DCA8-BBE27E5239E2}"/>
+                <a16:creationId xmlns:a16="http://schemas.microsoft.com/office/drawing/2014/main" id="{CA91B92E-8CFC-B8D6-54C3-D8F8331485CB}"/>
               </a:ext>
             </a:extLst>
           </p:cNvPr>
@@ -2286,7 +2286,7 @@
           <p:cNvPr id="4" name="文本占位符 3">
             <a:extLst>
               <a:ext uri="{FF2B5EF4-FFF2-40B4-BE49-F238E27FC236}">
-                <a16:creationId xmlns:a16="http://schemas.microsoft.com/office/drawing/2014/main" id="{C562D106-CC6C-0558-D912-DBDAC8A59881}"/>
+                <a16:creationId xmlns:a16="http://schemas.microsoft.com/office/drawing/2014/main" id="{9D9DF56A-7FD3-57E4-90BE-812A07728E53}"/>
               </a:ext>
             </a:extLst>
           </p:cNvPr>
@@ -2357,7 +2357,7 @@
           <p:cNvPr id="5" name="日期占位符 4">
             <a:extLst>
               <a:ext uri="{FF2B5EF4-FFF2-40B4-BE49-F238E27FC236}">
-                <a16:creationId xmlns:a16="http://schemas.microsoft.com/office/drawing/2014/main" id="{5490631B-AA2B-DCD1-D588-80139FDAB256}"/>
+                <a16:creationId xmlns:a16="http://schemas.microsoft.com/office/drawing/2014/main" id="{1087DC3C-1D71-8A16-30DA-EF351775C3DE}"/>
               </a:ext>
             </a:extLst>
           </p:cNvPr>
@@ -2373,7 +2373,7 @@
           <a:bodyPr/>
           <a:lstStyle/>
           <a:p>
-            <a:fld id="{905AE813-CF2A-4C36-8744-2FF02F5F43C6}" type="datetimeFigureOut">
+            <a:fld id="{352749DE-41E3-4977-B98B-34DD8AB9AE0B}" type="datetimeFigureOut">
               <a:rPr lang="zh-CN" altLang="en-US" smtClean="0"/>
               <a:t>2024/3/10</a:t>
             </a:fld>
@@ -2386,7 +2386,7 @@
           <p:cNvPr id="6" name="页脚占位符 5">
             <a:extLst>
               <a:ext uri="{FF2B5EF4-FFF2-40B4-BE49-F238E27FC236}">
-                <a16:creationId xmlns:a16="http://schemas.microsoft.com/office/drawing/2014/main" id="{D3FCA86C-D3C8-16A4-5026-5FB88C1E2EC8}"/>
+                <a16:creationId xmlns:a16="http://schemas.microsoft.com/office/drawing/2014/main" id="{EFE055B9-CBD7-D1F5-ED3B-E9B33957149A}"/>
               </a:ext>
             </a:extLst>
           </p:cNvPr>
@@ -2411,7 +2411,7 @@
           <p:cNvPr id="7" name="灯片编号占位符 6">
             <a:extLst>
               <a:ext uri="{FF2B5EF4-FFF2-40B4-BE49-F238E27FC236}">
-                <a16:creationId xmlns:a16="http://schemas.microsoft.com/office/drawing/2014/main" id="{BA7075B8-82A8-9997-7EC3-27363BF69DDA}"/>
+                <a16:creationId xmlns:a16="http://schemas.microsoft.com/office/drawing/2014/main" id="{C9D3322F-99D6-202F-970E-673CCEC8CA09}"/>
               </a:ext>
             </a:extLst>
           </p:cNvPr>
@@ -2427,7 +2427,7 @@
           <a:bodyPr/>
           <a:lstStyle/>
           <a:p>
-            <a:fld id="{D0B130A3-A526-4871-9782-8C3ACDCDEC47}" type="slidenum">
+            <a:fld id="{4FD17EBB-4C6E-4728-936E-B35E47A19361}" type="slidenum">
               <a:rPr lang="zh-CN" altLang="en-US" smtClean="0"/>
               <a:t>‹#›</a:t>
             </a:fld>
@@ -2438,7 +2438,7 @@
     </p:spTree>
     <p:extLst>
       <p:ext uri="{BB962C8B-B14F-4D97-AF65-F5344CB8AC3E}">
-        <p14:creationId xmlns:p14="http://schemas.microsoft.com/office/powerpoint/2010/main" val="224720010"/>
+        <p14:creationId xmlns:p14="http://schemas.microsoft.com/office/powerpoint/2010/main" val="1894420351"/>
       </p:ext>
     </p:extLst>
   </p:cSld>
@@ -2470,7 +2470,7 @@
           <p:cNvPr id="2" name="标题 1">
             <a:extLst>
               <a:ext uri="{FF2B5EF4-FFF2-40B4-BE49-F238E27FC236}">
-                <a16:creationId xmlns:a16="http://schemas.microsoft.com/office/drawing/2014/main" id="{0D4A33C3-D1C2-D298-64A9-4E62A6BCF5D5}"/>
+                <a16:creationId xmlns:a16="http://schemas.microsoft.com/office/drawing/2014/main" id="{CB5BCE93-5B4B-0BFF-DB64-676AFF7FC4E1}"/>
               </a:ext>
             </a:extLst>
           </p:cNvPr>
@@ -2507,7 +2507,7 @@
           <p:cNvPr id="3" name="图片占位符 2">
             <a:extLst>
               <a:ext uri="{FF2B5EF4-FFF2-40B4-BE49-F238E27FC236}">
-                <a16:creationId xmlns:a16="http://schemas.microsoft.com/office/drawing/2014/main" id="{92FAE9AA-44F2-CAFD-5FE8-12923808DA87}"/>
+                <a16:creationId xmlns:a16="http://schemas.microsoft.com/office/drawing/2014/main" id="{4969FFA3-5168-FEC1-DE5B-74A89BCD7689}"/>
               </a:ext>
             </a:extLst>
           </p:cNvPr>
@@ -2574,7 +2574,7 @@
           <p:cNvPr id="4" name="文本占位符 3">
             <a:extLst>
               <a:ext uri="{FF2B5EF4-FFF2-40B4-BE49-F238E27FC236}">
-                <a16:creationId xmlns:a16="http://schemas.microsoft.com/office/drawing/2014/main" id="{641A6C22-59D3-985A-06FA-BAB022E4CA68}"/>
+                <a16:creationId xmlns:a16="http://schemas.microsoft.com/office/drawing/2014/main" id="{3BC20594-CB6D-3770-F7BA-7AA63A100780}"/>
               </a:ext>
             </a:extLst>
           </p:cNvPr>
@@ -2645,7 +2645,7 @@
           <p:cNvPr id="5" name="日期占位符 4">
             <a:extLst>
               <a:ext uri="{FF2B5EF4-FFF2-40B4-BE49-F238E27FC236}">
-                <a16:creationId xmlns:a16="http://schemas.microsoft.com/office/drawing/2014/main" id="{C70F8C24-2DEA-67B1-45C3-00A9453CC5DD}"/>
+                <a16:creationId xmlns:a16="http://schemas.microsoft.com/office/drawing/2014/main" id="{828EF92E-903A-D67F-2DEE-074080DC622D}"/>
               </a:ext>
             </a:extLst>
           </p:cNvPr>
@@ -2661,7 +2661,7 @@
           <a:bodyPr/>
           <a:lstStyle/>
           <a:p>
-            <a:fld id="{905AE813-CF2A-4C36-8744-2FF02F5F43C6}" type="datetimeFigureOut">
+            <a:fld id="{352749DE-41E3-4977-B98B-34DD8AB9AE0B}" type="datetimeFigureOut">
               <a:rPr lang="zh-CN" altLang="en-US" smtClean="0"/>
               <a:t>2024/3/10</a:t>
             </a:fld>
@@ -2674,7 +2674,7 @@
           <p:cNvPr id="6" name="页脚占位符 5">
             <a:extLst>
               <a:ext uri="{FF2B5EF4-FFF2-40B4-BE49-F238E27FC236}">
-                <a16:creationId xmlns:a16="http://schemas.microsoft.com/office/drawing/2014/main" id="{D68B207D-88F9-20D4-3AF4-37CD85EBB37E}"/>
+                <a16:creationId xmlns:a16="http://schemas.microsoft.com/office/drawing/2014/main" id="{7EDB4BF4-7D46-1F33-9883-A9B7CF5EAB1D}"/>
               </a:ext>
             </a:extLst>
           </p:cNvPr>
@@ -2699,7 +2699,7 @@
           <p:cNvPr id="7" name="灯片编号占位符 6">
             <a:extLst>
               <a:ext uri="{FF2B5EF4-FFF2-40B4-BE49-F238E27FC236}">
-                <a16:creationId xmlns:a16="http://schemas.microsoft.com/office/drawing/2014/main" id="{817BECBB-9349-A796-8613-3AF74C513C89}"/>
+                <a16:creationId xmlns:a16="http://schemas.microsoft.com/office/drawing/2014/main" id="{2EA0CE01-7724-1223-C0FA-119F3F3FE5F0}"/>
               </a:ext>
             </a:extLst>
           </p:cNvPr>
@@ -2715,7 +2715,7 @@
           <a:bodyPr/>
           <a:lstStyle/>
           <a:p>
-            <a:fld id="{D0B130A3-A526-4871-9782-8C3ACDCDEC47}" type="slidenum">
+            <a:fld id="{4FD17EBB-4C6E-4728-936E-B35E47A19361}" type="slidenum">
               <a:rPr lang="zh-CN" altLang="en-US" smtClean="0"/>
               <a:t>‹#›</a:t>
             </a:fld>
@@ -2726,7 +2726,7 @@
     </p:spTree>
     <p:extLst>
       <p:ext uri="{BB962C8B-B14F-4D97-AF65-F5344CB8AC3E}">
-        <p14:creationId xmlns:p14="http://schemas.microsoft.com/office/powerpoint/2010/main" val="2340851784"/>
+        <p14:creationId xmlns:p14="http://schemas.microsoft.com/office/powerpoint/2010/main" val="2504704804"/>
       </p:ext>
     </p:extLst>
   </p:cSld>
@@ -2763,7 +2763,7 @@
           <p:cNvPr id="2" name="标题占位符 1">
             <a:extLst>
               <a:ext uri="{FF2B5EF4-FFF2-40B4-BE49-F238E27FC236}">
-                <a16:creationId xmlns:a16="http://schemas.microsoft.com/office/drawing/2014/main" id="{92DEE11F-AA4E-32FD-6032-A463B9C239AF}"/>
+                <a16:creationId xmlns:a16="http://schemas.microsoft.com/office/drawing/2014/main" id="{886F2859-BCF8-BBC6-2367-3CD8FCD1052E}"/>
               </a:ext>
             </a:extLst>
           </p:cNvPr>
@@ -2801,7 +2801,7 @@
           <p:cNvPr id="3" name="文本占位符 2">
             <a:extLst>
               <a:ext uri="{FF2B5EF4-FFF2-40B4-BE49-F238E27FC236}">
-                <a16:creationId xmlns:a16="http://schemas.microsoft.com/office/drawing/2014/main" id="{734EE90E-2926-459A-BE9F-084DB1EE65A0}"/>
+                <a16:creationId xmlns:a16="http://schemas.microsoft.com/office/drawing/2014/main" id="{0B675111-E48F-FB2A-E2B2-63DF5416633E}"/>
               </a:ext>
             </a:extLst>
           </p:cNvPr>
@@ -2868,7 +2868,7 @@
           <p:cNvPr id="4" name="日期占位符 3">
             <a:extLst>
               <a:ext uri="{FF2B5EF4-FFF2-40B4-BE49-F238E27FC236}">
-                <a16:creationId xmlns:a16="http://schemas.microsoft.com/office/drawing/2014/main" id="{1DB4917E-000A-2393-D26A-DBFD81B5C24D}"/>
+                <a16:creationId xmlns:a16="http://schemas.microsoft.com/office/drawing/2014/main" id="{CD32D213-87CC-40F2-B0A1-9815EF5D87C8}"/>
               </a:ext>
             </a:extLst>
           </p:cNvPr>
@@ -2902,7 +2902,7 @@
             </a:lvl1pPr>
           </a:lstStyle>
           <a:p>
-            <a:fld id="{905AE813-CF2A-4C36-8744-2FF02F5F43C6}" type="datetimeFigureOut">
+            <a:fld id="{352749DE-41E3-4977-B98B-34DD8AB9AE0B}" type="datetimeFigureOut">
               <a:rPr lang="zh-CN" altLang="en-US" smtClean="0"/>
               <a:t>2024/3/10</a:t>
             </a:fld>
@@ -2915,7 +2915,7 @@
           <p:cNvPr id="5" name="页脚占位符 4">
             <a:extLst>
               <a:ext uri="{FF2B5EF4-FFF2-40B4-BE49-F238E27FC236}">
-                <a16:creationId xmlns:a16="http://schemas.microsoft.com/office/drawing/2014/main" id="{68CAA9FB-AC6C-249F-B1DF-4149BE9BAD6E}"/>
+                <a16:creationId xmlns:a16="http://schemas.microsoft.com/office/drawing/2014/main" id="{1ECB003F-BC66-5704-565C-11E959418777}"/>
               </a:ext>
             </a:extLst>
           </p:cNvPr>
@@ -2958,7 +2958,7 @@
           <p:cNvPr id="6" name="灯片编号占位符 5">
             <a:extLst>
               <a:ext uri="{FF2B5EF4-FFF2-40B4-BE49-F238E27FC236}">
-                <a16:creationId xmlns:a16="http://schemas.microsoft.com/office/drawing/2014/main" id="{111DA54D-0F96-2E51-706F-14CD6685E8B0}"/>
+                <a16:creationId xmlns:a16="http://schemas.microsoft.com/office/drawing/2014/main" id="{9EDD7F30-8F60-F0FC-F0B9-5BE723FEB81E}"/>
               </a:ext>
             </a:extLst>
           </p:cNvPr>
@@ -2992,7 +2992,7 @@
             </a:lvl1pPr>
           </a:lstStyle>
           <a:p>
-            <a:fld id="{D0B130A3-A526-4871-9782-8C3ACDCDEC47}" type="slidenum">
+            <a:fld id="{4FD17EBB-4C6E-4728-936E-B35E47A19361}" type="slidenum">
               <a:rPr lang="zh-CN" altLang="en-US" smtClean="0"/>
               <a:t>‹#›</a:t>
             </a:fld>
@@ -3003,7 +3003,7 @@
     </p:spTree>
     <p:extLst>
       <p:ext uri="{BB962C8B-B14F-4D97-AF65-F5344CB8AC3E}">
-        <p14:creationId xmlns:p14="http://schemas.microsoft.com/office/powerpoint/2010/main" val="3952170342"/>
+        <p14:creationId xmlns:p14="http://schemas.microsoft.com/office/powerpoint/2010/main" val="2283214716"/>
       </p:ext>
     </p:extLst>
   </p:cSld>
@@ -3323,7 +3323,7 @@
       </p:grpSpPr>
       <p:pic>
         <p:nvPicPr>
-          <p:cNvPr id="883714" name="Picture 2" descr="862"/>
+          <p:cNvPr id="884738" name="Picture 2" descr="863"/>
           <p:cNvPicPr>
             <a:picLocks noChangeAspect="1" noChangeArrowheads="1"/>
           </p:cNvPicPr>
@@ -3344,8 +3344,8 @@
         </p:blipFill>
         <p:spPr bwMode="auto">
           <a:xfrm>
-            <a:off x="1524001" y="0"/>
-            <a:ext cx="9053513" cy="6789738"/>
+            <a:off x="1543050" y="1"/>
+            <a:ext cx="9124950" cy="6308725"/>
           </a:xfrm>
           <a:prstGeom prst="rect">
             <a:avLst/>
